--- a/database/slides/GIVE_ME_OIL.pptx
+++ b/database/slides/GIVE_ME_OIL.pptx
@@ -15989,7 +15989,13 @@
       </p:sp>
       <p:sp>
         <p:nvSpPr>
-          <p:cNvPr id="131" name="Google Shape;131;p25"/>
+          <p:cNvPr id="2" name="Google Shape;131;p25">
+            <a:extLst>
+              <a:ext uri="{FF2B5EF4-FFF2-40B4-BE49-F238E27FC236}">
+                <a16:creationId xmlns:a16="http://schemas.microsoft.com/office/drawing/2014/main" id="{B68D1F08-4311-3B78-CD69-14D2B2F858DD}"/>
+              </a:ext>
+            </a:extLst>
+          </p:cNvPr>
           <p:cNvSpPr txBox="1"/>
           <p:nvPr/>
         </p:nvSpPr>
@@ -16034,9 +16040,16 @@
                 <a:latin typeface="Calibri"/>
                 <a:ea typeface="Calibri"/>
                 <a:cs typeface="Calibri"/>
+                <a:sym typeface="Calibri"/>
               </a:rPr>
               <a:t>contd..</a:t>
             </a:r>
+            <a:endParaRPr sz="3600" dirty="0">
+              <a:latin typeface="Calibri"/>
+              <a:ea typeface="Calibri"/>
+              <a:cs typeface="Calibri"/>
+              <a:sym typeface="Calibri"/>
+            </a:endParaRPr>
           </a:p>
         </p:txBody>
       </p:sp>
@@ -16314,7 +16327,13 @@
       </p:sp>
       <p:sp>
         <p:nvSpPr>
-          <p:cNvPr id="131" name="Google Shape;131;p25"/>
+          <p:cNvPr id="2" name="Google Shape;131;p25">
+            <a:extLst>
+              <a:ext uri="{FF2B5EF4-FFF2-40B4-BE49-F238E27FC236}">
+                <a16:creationId xmlns:a16="http://schemas.microsoft.com/office/drawing/2014/main" id="{E04CE658-C56A-3BF3-2E9E-C2490CA1D8C4}"/>
+              </a:ext>
+            </a:extLst>
+          </p:cNvPr>
           <p:cNvSpPr txBox="1"/>
           <p:nvPr/>
         </p:nvSpPr>
@@ -16359,9 +16378,16 @@
                 <a:latin typeface="Calibri"/>
                 <a:ea typeface="Calibri"/>
                 <a:cs typeface="Calibri"/>
+                <a:sym typeface="Calibri"/>
               </a:rPr>
               <a:t>contd..</a:t>
             </a:r>
+            <a:endParaRPr sz="3600" dirty="0">
+              <a:latin typeface="Calibri"/>
+              <a:ea typeface="Calibri"/>
+              <a:cs typeface="Calibri"/>
+              <a:sym typeface="Calibri"/>
+            </a:endParaRPr>
           </a:p>
         </p:txBody>
       </p:sp>
@@ -16644,7 +16670,13 @@
       </p:sp>
       <p:sp>
         <p:nvSpPr>
-          <p:cNvPr id="131" name="Google Shape;131;p25"/>
+          <p:cNvPr id="2" name="Google Shape;131;p25">
+            <a:extLst>
+              <a:ext uri="{FF2B5EF4-FFF2-40B4-BE49-F238E27FC236}">
+                <a16:creationId xmlns:a16="http://schemas.microsoft.com/office/drawing/2014/main" id="{6252564A-DC38-B8C4-593A-44BEF719D24F}"/>
+              </a:ext>
+            </a:extLst>
+          </p:cNvPr>
           <p:cNvSpPr txBox="1"/>
           <p:nvPr/>
         </p:nvSpPr>
@@ -16689,9 +16721,16 @@
                 <a:latin typeface="Calibri"/>
                 <a:ea typeface="Calibri"/>
                 <a:cs typeface="Calibri"/>
+                <a:sym typeface="Calibri"/>
               </a:rPr>
               <a:t>contd..</a:t>
             </a:r>
+            <a:endParaRPr sz="3600" dirty="0">
+              <a:latin typeface="Calibri"/>
+              <a:ea typeface="Calibri"/>
+              <a:cs typeface="Calibri"/>
+              <a:sym typeface="Calibri"/>
+            </a:endParaRPr>
           </a:p>
         </p:txBody>
       </p:sp>
